--- a/js_ppt/2강. js_연산자.pptx
+++ b/js_ppt/2강. js_연산자.pptx
@@ -137,7 +137,7 @@
   </p:defaultTextStyle>
   <p:extLst>
     <p:ext uri="{EFAFB233-063F-42B5-8137-9DF3F51BA10A}">
-      <p15:sldGuideLst xmlns:p15="http://schemas.microsoft.com/office/powerpoint/2012/main" xmlns="">
+      <p15:sldGuideLst xmlns:p15="http://schemas.microsoft.com/office/powerpoint/2012/main">
         <p15:guide id="1" orient="horz" pos="2160">
           <p15:clr>
             <a:srgbClr val="A4A3A4"/>
@@ -236,7 +236,7 @@
           <a:p>
             <a:fld id="{7665CDAC-D627-4E87-877A-1B781DD4CADC}" type="datetimeFigureOut">
               <a:rPr lang="ko-KR" altLang="en-US" smtClean="0"/>
-              <a:t>2022-05-23</a:t>
+              <a:t>2023-03-28</a:t>
             </a:fld>
             <a:endParaRPr lang="ko-KR" altLang="en-US"/>
           </a:p>
@@ -650,7 +650,7 @@
           <a:p>
             <a:fld id="{C25BCFD5-C4DF-4EBC-B718-C69ED2FBDE6F}" type="datetime1">
               <a:rPr lang="ko-KR" altLang="en-US" smtClean="0"/>
-              <a:t>2022-05-23</a:t>
+              <a:t>2023-03-28</a:t>
             </a:fld>
             <a:endParaRPr lang="ko-KR" altLang="en-US"/>
           </a:p>
@@ -1068,7 +1068,7 @@
           <a:p>
             <a:fld id="{AB448CD7-D367-43D5-B461-ACE552E75063}" type="datetime1">
               <a:rPr lang="ko-KR" altLang="en-US" smtClean="0"/>
-              <a:t>2022-05-23</a:t>
+              <a:t>2023-03-28</a:t>
             </a:fld>
             <a:endParaRPr lang="ko-KR" altLang="en-US"/>
           </a:p>
@@ -1248,7 +1248,7 @@
           <a:p>
             <a:fld id="{B6E49E79-7361-4780-8BEF-7EDE3708298A}" type="datetime1">
               <a:rPr lang="ko-KR" altLang="en-US" smtClean="0"/>
-              <a:t>2022-05-23</a:t>
+              <a:t>2023-03-28</a:t>
             </a:fld>
             <a:endParaRPr lang="ko-KR" altLang="en-US"/>
           </a:p>
@@ -1422,7 +1422,7 @@
           <a:p>
             <a:fld id="{A4D42E3C-B70B-437C-85CF-1286301B9CBA}" type="datetime1">
               <a:rPr lang="ko-KR" altLang="en-US" smtClean="0"/>
-              <a:t>2022-05-23</a:t>
+              <a:t>2023-03-28</a:t>
             </a:fld>
             <a:endParaRPr lang="ko-KR" altLang="en-US"/>
           </a:p>
@@ -1668,7 +1668,7 @@
           <a:p>
             <a:fld id="{B3369A20-5B3D-4D98-A822-26B93D177A40}" type="datetime1">
               <a:rPr lang="ko-KR" altLang="en-US" smtClean="0"/>
-              <a:t>2022-05-23</a:t>
+              <a:t>2023-03-28</a:t>
             </a:fld>
             <a:endParaRPr lang="ko-KR" altLang="en-US"/>
           </a:p>
@@ -1956,7 +1956,7 @@
           <a:p>
             <a:fld id="{685CD4CE-9E43-4F70-A9D8-A2130CA7D92A}" type="datetime1">
               <a:rPr lang="ko-KR" altLang="en-US" smtClean="0"/>
-              <a:t>2022-05-23</a:t>
+              <a:t>2023-03-28</a:t>
             </a:fld>
             <a:endParaRPr lang="ko-KR" altLang="en-US"/>
           </a:p>
@@ -2378,7 +2378,7 @@
           <a:p>
             <a:fld id="{F752BD92-DA3E-4A0B-90C9-7DE5E15B6E96}" type="datetime1">
               <a:rPr lang="ko-KR" altLang="en-US" smtClean="0"/>
-              <a:t>2022-05-23</a:t>
+              <a:t>2023-03-28</a:t>
             </a:fld>
             <a:endParaRPr lang="ko-KR" altLang="en-US"/>
           </a:p>
@@ -2496,7 +2496,7 @@
           <a:p>
             <a:fld id="{8EA2B83A-F366-424E-B742-340ACF856BB5}" type="datetime1">
               <a:rPr lang="ko-KR" altLang="en-US" smtClean="0"/>
-              <a:t>2022-05-23</a:t>
+              <a:t>2023-03-28</a:t>
             </a:fld>
             <a:endParaRPr lang="ko-KR" altLang="en-US"/>
           </a:p>
@@ -2591,7 +2591,7 @@
           <a:p>
             <a:fld id="{9A49D68B-5DBD-48E9-A8D4-FCBC4B3DD9C6}" type="datetime1">
               <a:rPr lang="ko-KR" altLang="en-US" smtClean="0"/>
-              <a:t>2022-05-23</a:t>
+              <a:t>2023-03-28</a:t>
             </a:fld>
             <a:endParaRPr lang="ko-KR" altLang="en-US"/>
           </a:p>
@@ -2868,7 +2868,7 @@
           <a:p>
             <a:fld id="{4CAB534F-7D16-467B-9320-91F98915D181}" type="datetime1">
               <a:rPr lang="ko-KR" altLang="en-US" smtClean="0"/>
-              <a:t>2022-05-23</a:t>
+              <a:t>2023-03-28</a:t>
             </a:fld>
             <a:endParaRPr lang="ko-KR" altLang="en-US"/>
           </a:p>
@@ -3121,7 +3121,7 @@
           <a:p>
             <a:fld id="{A390A91F-2F8D-4486-A69D-D680F95444B0}" type="datetime1">
               <a:rPr lang="ko-KR" altLang="en-US" smtClean="0"/>
-              <a:t>2022-05-23</a:t>
+              <a:t>2023-03-28</a:t>
             </a:fld>
             <a:endParaRPr lang="ko-KR" altLang="en-US"/>
           </a:p>
@@ -3301,7 +3301,7 @@
           <a:p>
             <a:fld id="{2238BBEA-E8DD-414A-BF68-FC2AFA7CFF2D}" type="datetime1">
               <a:rPr lang="ko-KR" altLang="en-US" smtClean="0"/>
-              <a:t>2022-05-23</a:t>
+              <a:t>2023-03-28</a:t>
             </a:fld>
             <a:endParaRPr lang="ko-KR" altLang="en-US"/>
           </a:p>
@@ -4435,14 +4435,14 @@
                 <a:gridCol w="1473652">
                   <a:extLst>
                     <a:ext uri="{9D8B030D-6E8A-4147-A177-3AD203B41FA5}">
-                      <a16:colId xmlns:a16="http://schemas.microsoft.com/office/drawing/2014/main" xmlns="" val="20000"/>
+                      <a16:colId xmlns:a16="http://schemas.microsoft.com/office/drawing/2014/main" val="20000"/>
                     </a:ext>
                   </a:extLst>
                 </a:gridCol>
                 <a:gridCol w="2486788">
                   <a:extLst>
                     <a:ext uri="{9D8B030D-6E8A-4147-A177-3AD203B41FA5}">
-                      <a16:colId xmlns:a16="http://schemas.microsoft.com/office/drawing/2014/main" xmlns="" val="20001"/>
+                      <a16:colId xmlns:a16="http://schemas.microsoft.com/office/drawing/2014/main" val="20001"/>
                     </a:ext>
                   </a:extLst>
                 </a:gridCol>
@@ -4500,7 +4500,7 @@
                 </a:tc>
                 <a:extLst>
                   <a:ext uri="{0D108BD9-81ED-4DB2-BD59-A6C34878D82A}">
-                    <a16:rowId xmlns:a16="http://schemas.microsoft.com/office/drawing/2014/main" xmlns="" val="10000"/>
+                    <a16:rowId xmlns:a16="http://schemas.microsoft.com/office/drawing/2014/main" val="10000"/>
                   </a:ext>
                 </a:extLst>
               </a:tr>
@@ -4545,7 +4545,7 @@
                 </a:tc>
                 <a:extLst>
                   <a:ext uri="{0D108BD9-81ED-4DB2-BD59-A6C34878D82A}">
-                    <a16:rowId xmlns:a16="http://schemas.microsoft.com/office/drawing/2014/main" xmlns="" val="10001"/>
+                    <a16:rowId xmlns:a16="http://schemas.microsoft.com/office/drawing/2014/main" val="10001"/>
                   </a:ext>
                 </a:extLst>
               </a:tr>
@@ -4590,7 +4590,7 @@
                 </a:tc>
                 <a:extLst>
                   <a:ext uri="{0D108BD9-81ED-4DB2-BD59-A6C34878D82A}">
-                    <a16:rowId xmlns:a16="http://schemas.microsoft.com/office/drawing/2014/main" xmlns="" val="10002"/>
+                    <a16:rowId xmlns:a16="http://schemas.microsoft.com/office/drawing/2014/main" val="10002"/>
                   </a:ext>
                 </a:extLst>
               </a:tr>
@@ -4635,7 +4635,7 @@
                 </a:tc>
                 <a:extLst>
                   <a:ext uri="{0D108BD9-81ED-4DB2-BD59-A6C34878D82A}">
-                    <a16:rowId xmlns:a16="http://schemas.microsoft.com/office/drawing/2014/main" xmlns="" val="10003"/>
+                    <a16:rowId xmlns:a16="http://schemas.microsoft.com/office/drawing/2014/main" val="10003"/>
                   </a:ext>
                 </a:extLst>
               </a:tr>
@@ -4688,7 +4688,7 @@
                 </a:tc>
                 <a:extLst>
                   <a:ext uri="{0D108BD9-81ED-4DB2-BD59-A6C34878D82A}">
-                    <a16:rowId xmlns:a16="http://schemas.microsoft.com/office/drawing/2014/main" xmlns="" val="10004"/>
+                    <a16:rowId xmlns:a16="http://schemas.microsoft.com/office/drawing/2014/main" val="10004"/>
                   </a:ext>
                 </a:extLst>
               </a:tr>
@@ -4731,6 +4731,11 @@
                     </a:lnR>
                   </a:tcPr>
                 </a:tc>
+                <a:extLst>
+                  <a:ext uri="{0D108BD9-81ED-4DB2-BD59-A6C34878D82A}">
+                    <a16:rowId xmlns:a16="http://schemas.microsoft.com/office/drawing/2014/main" val="10007"/>
+                  </a:ext>
+                </a:extLst>
               </a:tr>
               <a:tr h="392443">
                 <a:tc>
@@ -4773,7 +4778,7 @@
                 </a:tc>
                 <a:extLst>
                   <a:ext uri="{0D108BD9-81ED-4DB2-BD59-A6C34878D82A}">
-                    <a16:rowId xmlns:a16="http://schemas.microsoft.com/office/drawing/2014/main" xmlns="" val="10005"/>
+                    <a16:rowId xmlns:a16="http://schemas.microsoft.com/office/drawing/2014/main" val="10005"/>
                   </a:ext>
                 </a:extLst>
               </a:tr>
@@ -4848,6 +4853,11 @@
                     </a:lnR>
                   </a:tcPr>
                 </a:tc>
+                <a:extLst>
+                  <a:ext uri="{0D108BD9-81ED-4DB2-BD59-A6C34878D82A}">
+                    <a16:rowId xmlns:a16="http://schemas.microsoft.com/office/drawing/2014/main" val="10008"/>
+                  </a:ext>
+                </a:extLst>
               </a:tr>
               <a:tr h="392443">
                 <a:tc>
@@ -4890,7 +4900,7 @@
                 </a:tc>
                 <a:extLst>
                   <a:ext uri="{0D108BD9-81ED-4DB2-BD59-A6C34878D82A}">
-                    <a16:rowId xmlns:a16="http://schemas.microsoft.com/office/drawing/2014/main" xmlns="" val="10006"/>
+                    <a16:rowId xmlns:a16="http://schemas.microsoft.com/office/drawing/2014/main" val="10006"/>
                   </a:ext>
                 </a:extLst>
               </a:tr>
@@ -5387,14 +5397,14 @@
                 <a:gridCol w="1483744">
                   <a:extLst>
                     <a:ext uri="{9D8B030D-6E8A-4147-A177-3AD203B41FA5}">
-                      <a16:colId xmlns:a16="http://schemas.microsoft.com/office/drawing/2014/main" xmlns="" val="20000"/>
+                      <a16:colId xmlns:a16="http://schemas.microsoft.com/office/drawing/2014/main" val="20000"/>
                     </a:ext>
                   </a:extLst>
                 </a:gridCol>
                 <a:gridCol w="4780952">
                   <a:extLst>
                     <a:ext uri="{9D8B030D-6E8A-4147-A177-3AD203B41FA5}">
-                      <a16:colId xmlns:a16="http://schemas.microsoft.com/office/drawing/2014/main" xmlns="" val="20001"/>
+                      <a16:colId xmlns:a16="http://schemas.microsoft.com/office/drawing/2014/main" val="20001"/>
                     </a:ext>
                   </a:extLst>
                 </a:gridCol>
@@ -5456,7 +5466,7 @@
                 </a:tc>
                 <a:extLst>
                   <a:ext uri="{0D108BD9-81ED-4DB2-BD59-A6C34878D82A}">
-                    <a16:rowId xmlns:a16="http://schemas.microsoft.com/office/drawing/2014/main" xmlns="" val="10000"/>
+                    <a16:rowId xmlns:a16="http://schemas.microsoft.com/office/drawing/2014/main" val="10000"/>
                   </a:ext>
                 </a:extLst>
               </a:tr>
@@ -5509,7 +5519,7 @@
                 </a:tc>
                 <a:extLst>
                   <a:ext uri="{0D108BD9-81ED-4DB2-BD59-A6C34878D82A}">
-                    <a16:rowId xmlns:a16="http://schemas.microsoft.com/office/drawing/2014/main" xmlns="" val="10001"/>
+                    <a16:rowId xmlns:a16="http://schemas.microsoft.com/office/drawing/2014/main" val="10001"/>
                   </a:ext>
                 </a:extLst>
               </a:tr>
@@ -5562,7 +5572,7 @@
                 </a:tc>
                 <a:extLst>
                   <a:ext uri="{0D108BD9-81ED-4DB2-BD59-A6C34878D82A}">
-                    <a16:rowId xmlns:a16="http://schemas.microsoft.com/office/drawing/2014/main" xmlns="" val="10002"/>
+                    <a16:rowId xmlns:a16="http://schemas.microsoft.com/office/drawing/2014/main" val="10002"/>
                   </a:ext>
                 </a:extLst>
               </a:tr>
@@ -5631,7 +5641,7 @@
                 </a:tc>
                 <a:extLst>
                   <a:ext uri="{0D108BD9-81ED-4DB2-BD59-A6C34878D82A}">
-                    <a16:rowId xmlns:a16="http://schemas.microsoft.com/office/drawing/2014/main" xmlns="" val="10003"/>
+                    <a16:rowId xmlns:a16="http://schemas.microsoft.com/office/drawing/2014/main" val="10003"/>
                   </a:ext>
                 </a:extLst>
               </a:tr>
@@ -6466,14 +6476,14 @@
                 <a:gridCol w="1368152">
                   <a:extLst>
                     <a:ext uri="{9D8B030D-6E8A-4147-A177-3AD203B41FA5}">
-                      <a16:colId xmlns:a16="http://schemas.microsoft.com/office/drawing/2014/main" xmlns="" val="20000"/>
+                      <a16:colId xmlns:a16="http://schemas.microsoft.com/office/drawing/2014/main" val="20000"/>
                     </a:ext>
                   </a:extLst>
                 </a:gridCol>
                 <a:gridCol w="2232248">
                   <a:extLst>
                     <a:ext uri="{9D8B030D-6E8A-4147-A177-3AD203B41FA5}">
-                      <a16:colId xmlns:a16="http://schemas.microsoft.com/office/drawing/2014/main" xmlns="" val="20001"/>
+                      <a16:colId xmlns:a16="http://schemas.microsoft.com/office/drawing/2014/main" val="20001"/>
                     </a:ext>
                   </a:extLst>
                 </a:gridCol>
@@ -6531,7 +6541,7 @@
                 </a:tc>
                 <a:extLst>
                   <a:ext uri="{0D108BD9-81ED-4DB2-BD59-A6C34878D82A}">
-                    <a16:rowId xmlns:a16="http://schemas.microsoft.com/office/drawing/2014/main" xmlns="" val="10000"/>
+                    <a16:rowId xmlns:a16="http://schemas.microsoft.com/office/drawing/2014/main" val="10000"/>
                   </a:ext>
                 </a:extLst>
               </a:tr>
@@ -6584,7 +6594,7 @@
                 </a:tc>
                 <a:extLst>
                   <a:ext uri="{0D108BD9-81ED-4DB2-BD59-A6C34878D82A}">
-                    <a16:rowId xmlns:a16="http://schemas.microsoft.com/office/drawing/2014/main" xmlns="" val="10001"/>
+                    <a16:rowId xmlns:a16="http://schemas.microsoft.com/office/drawing/2014/main" val="10001"/>
                   </a:ext>
                 </a:extLst>
               </a:tr>
@@ -6648,7 +6658,7 @@
                 </a:tc>
                 <a:extLst>
                   <a:ext uri="{0D108BD9-81ED-4DB2-BD59-A6C34878D82A}">
-                    <a16:rowId xmlns:a16="http://schemas.microsoft.com/office/drawing/2014/main" xmlns="" val="10002"/>
+                    <a16:rowId xmlns:a16="http://schemas.microsoft.com/office/drawing/2014/main" val="10002"/>
                   </a:ext>
                 </a:extLst>
               </a:tr>
@@ -7076,14 +7086,14 @@
                 <a:gridCol w="1368152">
                   <a:extLst>
                     <a:ext uri="{9D8B030D-6E8A-4147-A177-3AD203B41FA5}">
-                      <a16:colId xmlns:a16="http://schemas.microsoft.com/office/drawing/2014/main" xmlns="" val="20000"/>
+                      <a16:colId xmlns:a16="http://schemas.microsoft.com/office/drawing/2014/main" val="20000"/>
                     </a:ext>
                   </a:extLst>
                 </a:gridCol>
                 <a:gridCol w="2232248">
                   <a:extLst>
                     <a:ext uri="{9D8B030D-6E8A-4147-A177-3AD203B41FA5}">
-                      <a16:colId xmlns:a16="http://schemas.microsoft.com/office/drawing/2014/main" xmlns="" val="20001"/>
+                      <a16:colId xmlns:a16="http://schemas.microsoft.com/office/drawing/2014/main" val="20001"/>
                     </a:ext>
                   </a:extLst>
                 </a:gridCol>
@@ -7141,7 +7151,7 @@
                 </a:tc>
                 <a:extLst>
                   <a:ext uri="{0D108BD9-81ED-4DB2-BD59-A6C34878D82A}">
-                    <a16:rowId xmlns:a16="http://schemas.microsoft.com/office/drawing/2014/main" xmlns="" val="10000"/>
+                    <a16:rowId xmlns:a16="http://schemas.microsoft.com/office/drawing/2014/main" val="10000"/>
                   </a:ext>
                 </a:extLst>
               </a:tr>
@@ -7190,7 +7200,7 @@
                 </a:tc>
                 <a:extLst>
                   <a:ext uri="{0D108BD9-81ED-4DB2-BD59-A6C34878D82A}">
-                    <a16:rowId xmlns:a16="http://schemas.microsoft.com/office/drawing/2014/main" xmlns="" val="10001"/>
+                    <a16:rowId xmlns:a16="http://schemas.microsoft.com/office/drawing/2014/main" val="10001"/>
                   </a:ext>
                 </a:extLst>
               </a:tr>
@@ -7239,7 +7249,7 @@
                 </a:tc>
                 <a:extLst>
                   <a:ext uri="{0D108BD9-81ED-4DB2-BD59-A6C34878D82A}">
-                    <a16:rowId xmlns:a16="http://schemas.microsoft.com/office/drawing/2014/main" xmlns="" val="10002"/>
+                    <a16:rowId xmlns:a16="http://schemas.microsoft.com/office/drawing/2014/main" val="10002"/>
                   </a:ext>
                 </a:extLst>
               </a:tr>
@@ -7288,7 +7298,7 @@
                 </a:tc>
                 <a:extLst>
                   <a:ext uri="{0D108BD9-81ED-4DB2-BD59-A6C34878D82A}">
-                    <a16:rowId xmlns:a16="http://schemas.microsoft.com/office/drawing/2014/main" xmlns="" val="10003"/>
+                    <a16:rowId xmlns:a16="http://schemas.microsoft.com/office/drawing/2014/main" val="10003"/>
                   </a:ext>
                 </a:extLst>
               </a:tr>
@@ -7353,7 +7363,7 @@
                 </a:tc>
                 <a:extLst>
                   <a:ext uri="{0D108BD9-81ED-4DB2-BD59-A6C34878D82A}">
-                    <a16:rowId xmlns:a16="http://schemas.microsoft.com/office/drawing/2014/main" xmlns="" val="10004"/>
+                    <a16:rowId xmlns:a16="http://schemas.microsoft.com/office/drawing/2014/main" val="10004"/>
                   </a:ext>
                 </a:extLst>
               </a:tr>
@@ -7418,7 +7428,7 @@
                 </a:tc>
                 <a:extLst>
                   <a:ext uri="{0D108BD9-81ED-4DB2-BD59-A6C34878D82A}">
-                    <a16:rowId xmlns:a16="http://schemas.microsoft.com/office/drawing/2014/main" xmlns="" val="10005"/>
+                    <a16:rowId xmlns:a16="http://schemas.microsoft.com/office/drawing/2014/main" val="10005"/>
                   </a:ext>
                 </a:extLst>
               </a:tr>
@@ -8814,7 +8824,7 @@
           <p:cNvPr id="7" name="내용 개체 틀 2">
             <a:extLst>
               <a:ext uri="{FF2B5EF4-FFF2-40B4-BE49-F238E27FC236}">
-                <a16:creationId xmlns="" xmlns:a16="http://schemas.microsoft.com/office/drawing/2014/main" id="{98AF3A4E-7D90-4241-89FE-799D6F9D5A94}"/>
+                <a16:creationId xmlns:a16="http://schemas.microsoft.com/office/drawing/2014/main" id="{98AF3A4E-7D90-4241-89FE-799D6F9D5A94}"/>
               </a:ext>
             </a:extLst>
           </p:cNvPr>
@@ -9191,9 +9201,27 @@
                 <a:tableStyleId>{5940675A-B579-460E-94D1-54222C63F5DA}</a:tableStyleId>
               </a:tblPr>
               <a:tblGrid>
-                <a:gridCol w="1800200"/>
-                <a:gridCol w="2592288"/>
-                <a:gridCol w="2952328"/>
+                <a:gridCol w="1800200">
+                  <a:extLst>
+                    <a:ext uri="{9D8B030D-6E8A-4147-A177-3AD203B41FA5}">
+                      <a16:colId xmlns:a16="http://schemas.microsoft.com/office/drawing/2014/main" val="20000"/>
+                    </a:ext>
+                  </a:extLst>
+                </a:gridCol>
+                <a:gridCol w="2592288">
+                  <a:extLst>
+                    <a:ext uri="{9D8B030D-6E8A-4147-A177-3AD203B41FA5}">
+                      <a16:colId xmlns:a16="http://schemas.microsoft.com/office/drawing/2014/main" val="20001"/>
+                    </a:ext>
+                  </a:extLst>
+                </a:gridCol>
+                <a:gridCol w="2952328">
+                  <a:extLst>
+                    <a:ext uri="{9D8B030D-6E8A-4147-A177-3AD203B41FA5}">
+                      <a16:colId xmlns:a16="http://schemas.microsoft.com/office/drawing/2014/main" val="20002"/>
+                    </a:ext>
+                  </a:extLst>
+                </a:gridCol>
               </a:tblGrid>
               <a:tr h="370840">
                 <a:tc>
@@ -9253,6 +9281,11 @@
                     </a:solidFill>
                   </a:tcPr>
                 </a:tc>
+                <a:extLst>
+                  <a:ext uri="{0D108BD9-81ED-4DB2-BD59-A6C34878D82A}">
+                    <a16:rowId xmlns:a16="http://schemas.microsoft.com/office/drawing/2014/main" val="10000"/>
+                  </a:ext>
+                </a:extLst>
               </a:tr>
               <a:tr h="370840">
                 <a:tc>
@@ -9308,6 +9341,11 @@
                   </a:txBody>
                   <a:tcPr/>
                 </a:tc>
+                <a:extLst>
+                  <a:ext uri="{0D108BD9-81ED-4DB2-BD59-A6C34878D82A}">
+                    <a16:rowId xmlns:a16="http://schemas.microsoft.com/office/drawing/2014/main" val="10001"/>
+                  </a:ext>
+                </a:extLst>
               </a:tr>
               <a:tr h="370840">
                 <a:tc>
@@ -9355,6 +9393,11 @@
                   </a:txBody>
                   <a:tcPr/>
                 </a:tc>
+                <a:extLst>
+                  <a:ext uri="{0D108BD9-81ED-4DB2-BD59-A6C34878D82A}">
+                    <a16:rowId xmlns:a16="http://schemas.microsoft.com/office/drawing/2014/main" val="10002"/>
+                  </a:ext>
+                </a:extLst>
               </a:tr>
               <a:tr h="370840">
                 <a:tc>
@@ -9410,6 +9453,11 @@
                   </a:txBody>
                   <a:tcPr/>
                 </a:tc>
+                <a:extLst>
+                  <a:ext uri="{0D108BD9-81ED-4DB2-BD59-A6C34878D82A}">
+                    <a16:rowId xmlns:a16="http://schemas.microsoft.com/office/drawing/2014/main" val="10003"/>
+                  </a:ext>
+                </a:extLst>
               </a:tr>
             </a:tbl>
           </a:graphicData>
@@ -9839,14 +9887,14 @@
                 <a:gridCol w="1800200">
                   <a:extLst>
                     <a:ext uri="{9D8B030D-6E8A-4147-A177-3AD203B41FA5}">
-                      <a16:colId xmlns:a16="http://schemas.microsoft.com/office/drawing/2014/main" xmlns="" val="20000"/>
+                      <a16:colId xmlns:a16="http://schemas.microsoft.com/office/drawing/2014/main" val="20000"/>
                     </a:ext>
                   </a:extLst>
                 </a:gridCol>
                 <a:gridCol w="5184576">
                   <a:extLst>
                     <a:ext uri="{9D8B030D-6E8A-4147-A177-3AD203B41FA5}">
-                      <a16:colId xmlns:a16="http://schemas.microsoft.com/office/drawing/2014/main" xmlns="" val="20001"/>
+                      <a16:colId xmlns:a16="http://schemas.microsoft.com/office/drawing/2014/main" val="20001"/>
                     </a:ext>
                   </a:extLst>
                 </a:gridCol>
@@ -9898,7 +9946,7 @@
                 </a:tc>
                 <a:extLst>
                   <a:ext uri="{0D108BD9-81ED-4DB2-BD59-A6C34878D82A}">
-                    <a16:rowId xmlns:a16="http://schemas.microsoft.com/office/drawing/2014/main" xmlns="" val="10000"/>
+                    <a16:rowId xmlns:a16="http://schemas.microsoft.com/office/drawing/2014/main" val="10000"/>
                   </a:ext>
                 </a:extLst>
               </a:tr>
@@ -9987,7 +10035,7 @@
                 </a:tc>
                 <a:extLst>
                   <a:ext uri="{0D108BD9-81ED-4DB2-BD59-A6C34878D82A}">
-                    <a16:rowId xmlns:a16="http://schemas.microsoft.com/office/drawing/2014/main" xmlns="" val="10001"/>
+                    <a16:rowId xmlns:a16="http://schemas.microsoft.com/office/drawing/2014/main" val="10001"/>
                   </a:ext>
                 </a:extLst>
               </a:tr>
@@ -10060,7 +10108,7 @@
                 </a:tc>
                 <a:extLst>
                   <a:ext uri="{0D108BD9-81ED-4DB2-BD59-A6C34878D82A}">
-                    <a16:rowId xmlns:a16="http://schemas.microsoft.com/office/drawing/2014/main" xmlns="" val="10002"/>
+                    <a16:rowId xmlns:a16="http://schemas.microsoft.com/office/drawing/2014/main" val="10002"/>
                   </a:ext>
                 </a:extLst>
               </a:tr>
@@ -10137,7 +10185,7 @@
                 </a:tc>
                 <a:extLst>
                   <a:ext uri="{0D108BD9-81ED-4DB2-BD59-A6C34878D82A}">
-                    <a16:rowId xmlns:a16="http://schemas.microsoft.com/office/drawing/2014/main" xmlns="" val="10003"/>
+                    <a16:rowId xmlns:a16="http://schemas.microsoft.com/office/drawing/2014/main" val="10003"/>
                   </a:ext>
                 </a:extLst>
               </a:tr>
@@ -10226,6 +10274,11 @@
                     </a:solidFill>
                   </a:tcPr>
                 </a:tc>
+                <a:extLst>
+                  <a:ext uri="{0D108BD9-81ED-4DB2-BD59-A6C34878D82A}">
+                    <a16:rowId xmlns:a16="http://schemas.microsoft.com/office/drawing/2014/main" val="10004"/>
+                  </a:ext>
+                </a:extLst>
               </a:tr>
             </a:tbl>
           </a:graphicData>
@@ -13743,7 +13796,7 @@
                             </p:stCondLst>
                             <p:childTnLst>
                               <p:par>
-                                <p:cTn id="5" presetID="22" presetClass="entr" presetSubtype="8" fill="hold" nodeType="clickEffect">
+                                <p:cTn id="5" presetID="22" presetClass="entr" presetSubtype="4" fill="hold" nodeType="clickEffect">
                                   <p:stCondLst>
                                     <p:cond delay="0"/>
                                   </p:stCondLst>
@@ -13766,7 +13819,7 @@
                                         <p:strVal val="visible"/>
                                       </p:to>
                                     </p:set>
-                                    <p:animEffect transition="in" filter="wipe(left)">
+                                    <p:animEffect transition="in" filter="wipe(down)">
                                       <p:cBhvr>
                                         <p:cTn id="7" dur="500"/>
                                         <p:tgtEl>
@@ -13976,18 +14029,24 @@
                 <a:gridCol w="1193771">
                   <a:extLst>
                     <a:ext uri="{9D8B030D-6E8A-4147-A177-3AD203B41FA5}">
-                      <a16:colId xmlns:a16="http://schemas.microsoft.com/office/drawing/2014/main" xmlns="" val="20000"/>
+                      <a16:colId xmlns:a16="http://schemas.microsoft.com/office/drawing/2014/main" val="20000"/>
                     </a:ext>
                   </a:extLst>
                 </a:gridCol>
                 <a:gridCol w="2462153">
                   <a:extLst>
                     <a:ext uri="{9D8B030D-6E8A-4147-A177-3AD203B41FA5}">
-                      <a16:colId xmlns:a16="http://schemas.microsoft.com/office/drawing/2014/main" xmlns="" val="20001"/>
+                      <a16:colId xmlns:a16="http://schemas.microsoft.com/office/drawing/2014/main" val="20001"/>
                     </a:ext>
                   </a:extLst>
                 </a:gridCol>
-                <a:gridCol w="2536764"/>
+                <a:gridCol w="2536764">
+                  <a:extLst>
+                    <a:ext uri="{9D8B030D-6E8A-4147-A177-3AD203B41FA5}">
+                      <a16:colId xmlns:a16="http://schemas.microsoft.com/office/drawing/2014/main" val="20002"/>
+                    </a:ext>
+                  </a:extLst>
+                </a:gridCol>
               </a:tblGrid>
               <a:tr h="432048">
                 <a:tc>
@@ -14064,7 +14123,7 @@
                 </a:tc>
                 <a:extLst>
                   <a:ext uri="{0D108BD9-81ED-4DB2-BD59-A6C34878D82A}">
-                    <a16:rowId xmlns:a16="http://schemas.microsoft.com/office/drawing/2014/main" xmlns="" val="10000"/>
+                    <a16:rowId xmlns:a16="http://schemas.microsoft.com/office/drawing/2014/main" val="10000"/>
                   </a:ext>
                 </a:extLst>
               </a:tr>
@@ -14140,7 +14199,7 @@
                 </a:tc>
                 <a:extLst>
                   <a:ext uri="{0D108BD9-81ED-4DB2-BD59-A6C34878D82A}">
-                    <a16:rowId xmlns:a16="http://schemas.microsoft.com/office/drawing/2014/main" xmlns="" val="10001"/>
+                    <a16:rowId xmlns:a16="http://schemas.microsoft.com/office/drawing/2014/main" val="10001"/>
                   </a:ext>
                 </a:extLst>
               </a:tr>
@@ -14216,7 +14275,7 @@
                 </a:tc>
                 <a:extLst>
                   <a:ext uri="{0D108BD9-81ED-4DB2-BD59-A6C34878D82A}">
-                    <a16:rowId xmlns:a16="http://schemas.microsoft.com/office/drawing/2014/main" xmlns="" val="10002"/>
+                    <a16:rowId xmlns:a16="http://schemas.microsoft.com/office/drawing/2014/main" val="10002"/>
                   </a:ext>
                 </a:extLst>
               </a:tr>
@@ -14307,7 +14366,7 @@
                 </a:tc>
                 <a:extLst>
                   <a:ext uri="{0D108BD9-81ED-4DB2-BD59-A6C34878D82A}">
-                    <a16:rowId xmlns:a16="http://schemas.microsoft.com/office/drawing/2014/main" xmlns="" val="10003"/>
+                    <a16:rowId xmlns:a16="http://schemas.microsoft.com/office/drawing/2014/main" val="10003"/>
                   </a:ext>
                 </a:extLst>
               </a:tr>
@@ -14394,7 +14453,7 @@
                 </a:tc>
                 <a:extLst>
                   <a:ext uri="{0D108BD9-81ED-4DB2-BD59-A6C34878D82A}">
-                    <a16:rowId xmlns:a16="http://schemas.microsoft.com/office/drawing/2014/main" xmlns="" val="10004"/>
+                    <a16:rowId xmlns:a16="http://schemas.microsoft.com/office/drawing/2014/main" val="10004"/>
                   </a:ext>
                 </a:extLst>
               </a:tr>
@@ -14481,7 +14540,7 @@
                 </a:tc>
                 <a:extLst>
                   <a:ext uri="{0D108BD9-81ED-4DB2-BD59-A6C34878D82A}">
-                    <a16:rowId xmlns:a16="http://schemas.microsoft.com/office/drawing/2014/main" xmlns="" val="10005"/>
+                    <a16:rowId xmlns:a16="http://schemas.microsoft.com/office/drawing/2014/main" val="10005"/>
                   </a:ext>
                 </a:extLst>
               </a:tr>
@@ -14543,6 +14602,11 @@
                     </a:lnR>
                   </a:tcPr>
                 </a:tc>
+                <a:extLst>
+                  <a:ext uri="{0D108BD9-81ED-4DB2-BD59-A6C34878D82A}">
+                    <a16:rowId xmlns:a16="http://schemas.microsoft.com/office/drawing/2014/main" val="10006"/>
+                  </a:ext>
+                </a:extLst>
               </a:tr>
               <a:tr h="432048">
                 <a:tc>
@@ -14602,6 +14666,11 @@
                     </a:lnR>
                   </a:tcPr>
                 </a:tc>
+                <a:extLst>
+                  <a:ext uri="{0D108BD9-81ED-4DB2-BD59-A6C34878D82A}">
+                    <a16:rowId xmlns:a16="http://schemas.microsoft.com/office/drawing/2014/main" val="10007"/>
+                  </a:ext>
+                </a:extLst>
               </a:tr>
             </a:tbl>
           </a:graphicData>
@@ -14649,7 +14718,7 @@
           <p:cNvPr id="3" name="내용 개체 틀 2">
             <a:extLst>
               <a:ext uri="{FF2B5EF4-FFF2-40B4-BE49-F238E27FC236}">
-                <a16:creationId xmlns:a16="http://schemas.microsoft.com/office/drawing/2014/main" xmlns="" id="{98AF3A4E-7D90-4241-89FE-799D6F9D5A94}"/>
+                <a16:creationId xmlns:a16="http://schemas.microsoft.com/office/drawing/2014/main" id="{98AF3A4E-7D90-4241-89FE-799D6F9D5A94}"/>
               </a:ext>
             </a:extLst>
           </p:cNvPr>
